--- a/Customer Behavior Analysis.pptx
+++ b/Customer Behavior Analysis.pptx
@@ -10,6 +10,10 @@
     <p:sldId id="258" r:id="rId4"/>
     <p:sldId id="259" r:id="rId5"/>
     <p:sldId id="260" r:id="rId6"/>
+    <p:sldId id="261" r:id="rId7"/>
+    <p:sldId id="262" r:id="rId8"/>
+    <p:sldId id="263" r:id="rId9"/>
+    <p:sldId id="264" r:id="rId10"/>
   </p:sldIdLst>
   <p:sldSz cx="12192000" cy="6858000"/>
   <p:notesSz cx="6858000" cy="9144000"/>
@@ -3335,7 +3339,7 @@
           <p:cNvPr id="2" name="slide1">
             <a:extLst>
               <a:ext uri="{FF2B5EF4-FFF2-40B4-BE49-F238E27FC236}">
-                <a16:creationId xmlns:a16="http://schemas.microsoft.com/office/drawing/2014/main" id="{9A316510-D9FB-44BE-A607-8C44F150059A}"/>
+                <a16:creationId xmlns:a16="http://schemas.microsoft.com/office/drawing/2014/main" id="{B6982122-25CC-448A-A360-37C3E4155D72}"/>
               </a:ext>
             </a:extLst>
           </p:cNvPr>
@@ -3352,6 +3356,7 @@
           <a:lstStyle/>
           <a:p>
             <a:r>
+              <a:rPr dirty="0"/>
               <a:t>Customer Behavior Analysis</a:t>
             </a:r>
           </a:p>
@@ -3362,7 +3367,7 @@
           <p:cNvPr id="3" name="slide1">
             <a:extLst>
               <a:ext uri="{FF2B5EF4-FFF2-40B4-BE49-F238E27FC236}">
-                <a16:creationId xmlns:a16="http://schemas.microsoft.com/office/drawing/2014/main" id="{954AF991-C1FA-4FBC-A0E0-BADEBD9B20C8}"/>
+                <a16:creationId xmlns:a16="http://schemas.microsoft.com/office/drawing/2014/main" id="{E593D672-BDE2-49D9-AFFB-86D382176E29}"/>
               </a:ext>
             </a:extLst>
           </p:cNvPr>
@@ -3417,7 +3422,7 @@
           <p:cNvPr id="2" name="slide2" descr="Dashboard1 PV, UV">
             <a:extLst>
               <a:ext uri="{FF2B5EF4-FFF2-40B4-BE49-F238E27FC236}">
-                <a16:creationId xmlns:a16="http://schemas.microsoft.com/office/drawing/2014/main" id="{87CF94B1-F65B-488E-A4C3-05F3F47ECEAD}"/>
+                <a16:creationId xmlns:a16="http://schemas.microsoft.com/office/drawing/2014/main" id="{3288E32D-6EB5-42D1-BE1E-D5B242B1DD21}"/>
               </a:ext>
             </a:extLst>
           </p:cNvPr>
@@ -3483,7 +3488,7 @@
           <p:cNvPr id="3" name="slide3" descr="Dashboard 2 Turnover">
             <a:extLst>
               <a:ext uri="{FF2B5EF4-FFF2-40B4-BE49-F238E27FC236}">
-                <a16:creationId xmlns:a16="http://schemas.microsoft.com/office/drawing/2014/main" id="{1A69795C-FC4C-449C-B3E6-F21558E0902D}"/>
+                <a16:creationId xmlns:a16="http://schemas.microsoft.com/office/drawing/2014/main" id="{76AAE776-C34D-416E-BB61-5DC7E55AB660}"/>
               </a:ext>
             </a:extLst>
           </p:cNvPr>
@@ -3549,7 +3554,7 @@
           <p:cNvPr id="4" name="slide4" descr="Dashboard 3 Active User">
             <a:extLst>
               <a:ext uri="{FF2B5EF4-FFF2-40B4-BE49-F238E27FC236}">
-                <a16:creationId xmlns:a16="http://schemas.microsoft.com/office/drawing/2014/main" id="{3901CC5B-4454-4B13-B6E4-CF7F5AB19052}"/>
+                <a16:creationId xmlns:a16="http://schemas.microsoft.com/office/drawing/2014/main" id="{54A29B67-7AEA-477A-A925-14F4E2024F93}"/>
               </a:ext>
             </a:extLst>
           </p:cNvPr>
@@ -3612,10 +3617,10 @@
       </p:grpSpPr>
       <p:pic>
         <p:nvPicPr>
-          <p:cNvPr id="5" name="slide5" descr="Dashboard 5">
-            <a:extLst>
-              <a:ext uri="{FF2B5EF4-FFF2-40B4-BE49-F238E27FC236}">
-                <a16:creationId xmlns:a16="http://schemas.microsoft.com/office/drawing/2014/main" id="{71C70AD9-5B4F-4290-8D80-7AFF94489D2C}"/>
+          <p:cNvPr id="5" name="slide5" descr="Paying User Dashboard 4">
+            <a:extLst>
+              <a:ext uri="{FF2B5EF4-FFF2-40B4-BE49-F238E27FC236}">
+                <a16:creationId xmlns:a16="http://schemas.microsoft.com/office/drawing/2014/main" id="{BA2B74C8-6A32-49C9-A76E-84C7669FA971}"/>
               </a:ext>
             </a:extLst>
           </p:cNvPr>
@@ -3640,6 +3645,270 @@
           <a:xfrm>
             <a:off x="1809750" y="0"/>
             <a:ext cx="8572500" cy="6858000"/>
+          </a:xfrm>
+          <a:prstGeom prst="rect">
+            <a:avLst/>
+          </a:prstGeom>
+        </p:spPr>
+      </p:pic>
+    </p:spTree>
+    <p:extLst>
+      <p:ext uri="{BB962C8B-B14F-4D97-AF65-F5344CB8AC3E}">
+        <p14:creationId xmlns:p14="http://schemas.microsoft.com/office/powerpoint/2010/main" val="95992585"/>
+      </p:ext>
+    </p:extLst>
+  </p:cSld>
+  <p:clrMapOvr>
+    <a:masterClrMapping/>
+  </p:clrMapOvr>
+</p:sld>
+</file>
+
+<file path=ppt/slides/slide6.xml><?xml version="1.0" encoding="utf-8"?>
+<p:sld xmlns:a="http://schemas.openxmlformats.org/drawingml/2006/main" xmlns:r="http://schemas.openxmlformats.org/officeDocument/2006/relationships" xmlns:p="http://schemas.openxmlformats.org/presentationml/2006/main">
+  <p:cSld>
+    <p:spTree>
+      <p:nvGrpSpPr>
+        <p:cNvPr id="1" name=""/>
+        <p:cNvGrpSpPr/>
+        <p:nvPr/>
+      </p:nvGrpSpPr>
+      <p:grpSpPr>
+        <a:xfrm>
+          <a:off x="0" y="0"/>
+          <a:ext cx="0" cy="0"/>
+          <a:chOff x="0" y="0"/>
+          <a:chExt cx="0" cy="0"/>
+        </a:xfrm>
+      </p:grpSpPr>
+      <p:pic>
+        <p:nvPicPr>
+          <p:cNvPr id="6" name="slide6" descr="Products&amp;apos; Ranking List">
+            <a:extLst>
+              <a:ext uri="{FF2B5EF4-FFF2-40B4-BE49-F238E27FC236}">
+                <a16:creationId xmlns:a16="http://schemas.microsoft.com/office/drawing/2014/main" id="{5C46B953-AE3E-4B94-B149-C1F20586E422}"/>
+              </a:ext>
+            </a:extLst>
+          </p:cNvPr>
+          <p:cNvPicPr>
+            <a:picLocks noChangeAspect="1"/>
+          </p:cNvPicPr>
+          <p:nvPr/>
+        </p:nvPicPr>
+        <p:blipFill>
+          <a:blip r:embed="rId2">
+            <a:extLst>
+              <a:ext uri="{28A0092B-C50C-407E-A947-70E740481C1C}">
+                <a14:useLocalDpi xmlns:a14="http://schemas.microsoft.com/office/drawing/2010/main" val="0"/>
+              </a:ext>
+            </a:extLst>
+          </a:blip>
+          <a:stretch>
+            <a:fillRect/>
+          </a:stretch>
+        </p:blipFill>
+        <p:spPr>
+          <a:xfrm>
+            <a:off x="1809750" y="0"/>
+            <a:ext cx="8572500" cy="6858000"/>
+          </a:xfrm>
+          <a:prstGeom prst="rect">
+            <a:avLst/>
+          </a:prstGeom>
+        </p:spPr>
+      </p:pic>
+    </p:spTree>
+    <p:extLst>
+      <p:ext uri="{BB962C8B-B14F-4D97-AF65-F5344CB8AC3E}">
+        <p14:creationId xmlns:p14="http://schemas.microsoft.com/office/powerpoint/2010/main" val="95992585"/>
+      </p:ext>
+    </p:extLst>
+  </p:cSld>
+  <p:clrMapOvr>
+    <a:masterClrMapping/>
+  </p:clrMapOvr>
+</p:sld>
+</file>
+
+<file path=ppt/slides/slide7.xml><?xml version="1.0" encoding="utf-8"?>
+<p:sld xmlns:a="http://schemas.openxmlformats.org/drawingml/2006/main" xmlns:r="http://schemas.openxmlformats.org/officeDocument/2006/relationships" xmlns:p="http://schemas.openxmlformats.org/presentationml/2006/main">
+  <p:cSld>
+    <p:spTree>
+      <p:nvGrpSpPr>
+        <p:cNvPr id="1" name=""/>
+        <p:cNvGrpSpPr/>
+        <p:nvPr/>
+      </p:nvGrpSpPr>
+      <p:grpSpPr>
+        <a:xfrm>
+          <a:off x="0" y="0"/>
+          <a:ext cx="0" cy="0"/>
+          <a:chOff x="0" y="0"/>
+          <a:chExt cx="0" cy="0"/>
+        </a:xfrm>
+      </p:grpSpPr>
+      <p:pic>
+        <p:nvPicPr>
+          <p:cNvPr id="7" name="slide7" descr="R value">
+            <a:extLst>
+              <a:ext uri="{FF2B5EF4-FFF2-40B4-BE49-F238E27FC236}">
+                <a16:creationId xmlns:a16="http://schemas.microsoft.com/office/drawing/2014/main" id="{D6EAA7B1-5C1C-4C40-83C2-1B170995D4A1}"/>
+              </a:ext>
+            </a:extLst>
+          </p:cNvPr>
+          <p:cNvPicPr>
+            <a:picLocks noChangeAspect="1"/>
+          </p:cNvPicPr>
+          <p:nvPr/>
+        </p:nvPicPr>
+        <p:blipFill>
+          <a:blip r:embed="rId2">
+            <a:extLst>
+              <a:ext uri="{28A0092B-C50C-407E-A947-70E740481C1C}">
+                <a14:useLocalDpi xmlns:a14="http://schemas.microsoft.com/office/drawing/2010/main" val="0"/>
+              </a:ext>
+            </a:extLst>
+          </a:blip>
+          <a:stretch>
+            <a:fillRect/>
+          </a:stretch>
+        </p:blipFill>
+        <p:spPr>
+          <a:xfrm>
+            <a:off x="3529012" y="204787"/>
+            <a:ext cx="5133975" cy="6448425"/>
+          </a:xfrm>
+          <a:prstGeom prst="rect">
+            <a:avLst/>
+          </a:prstGeom>
+        </p:spPr>
+      </p:pic>
+    </p:spTree>
+    <p:extLst>
+      <p:ext uri="{BB962C8B-B14F-4D97-AF65-F5344CB8AC3E}">
+        <p14:creationId xmlns:p14="http://schemas.microsoft.com/office/powerpoint/2010/main" val="95992585"/>
+      </p:ext>
+    </p:extLst>
+  </p:cSld>
+  <p:clrMapOvr>
+    <a:masterClrMapping/>
+  </p:clrMapOvr>
+</p:sld>
+</file>
+
+<file path=ppt/slides/slide8.xml><?xml version="1.0" encoding="utf-8"?>
+<p:sld xmlns:a="http://schemas.openxmlformats.org/drawingml/2006/main" xmlns:r="http://schemas.openxmlformats.org/officeDocument/2006/relationships" xmlns:p="http://schemas.openxmlformats.org/presentationml/2006/main">
+  <p:cSld>
+    <p:spTree>
+      <p:nvGrpSpPr>
+        <p:cNvPr id="1" name=""/>
+        <p:cNvGrpSpPr/>
+        <p:nvPr/>
+      </p:nvGrpSpPr>
+      <p:grpSpPr>
+        <a:xfrm>
+          <a:off x="0" y="0"/>
+          <a:ext cx="0" cy="0"/>
+          <a:chOff x="0" y="0"/>
+          <a:chExt cx="0" cy="0"/>
+        </a:xfrm>
+      </p:grpSpPr>
+      <p:pic>
+        <p:nvPicPr>
+          <p:cNvPr id="8" name="slide8" descr="F score">
+            <a:extLst>
+              <a:ext uri="{FF2B5EF4-FFF2-40B4-BE49-F238E27FC236}">
+                <a16:creationId xmlns:a16="http://schemas.microsoft.com/office/drawing/2014/main" id="{AF097CE5-BF86-46B4-BB36-956A5F29D01E}"/>
+              </a:ext>
+            </a:extLst>
+          </p:cNvPr>
+          <p:cNvPicPr>
+            <a:picLocks noChangeAspect="1"/>
+          </p:cNvPicPr>
+          <p:nvPr/>
+        </p:nvPicPr>
+        <p:blipFill>
+          <a:blip r:embed="rId2">
+            <a:extLst>
+              <a:ext uri="{28A0092B-C50C-407E-A947-70E740481C1C}">
+                <a14:useLocalDpi xmlns:a14="http://schemas.microsoft.com/office/drawing/2010/main" val="0"/>
+              </a:ext>
+            </a:extLst>
+          </a:blip>
+          <a:stretch>
+            <a:fillRect/>
+          </a:stretch>
+        </p:blipFill>
+        <p:spPr>
+          <a:xfrm>
+            <a:off x="1573500" y="0"/>
+            <a:ext cx="9045000" cy="6858000"/>
+          </a:xfrm>
+          <a:prstGeom prst="rect">
+            <a:avLst/>
+          </a:prstGeom>
+        </p:spPr>
+      </p:pic>
+    </p:spTree>
+    <p:extLst>
+      <p:ext uri="{BB962C8B-B14F-4D97-AF65-F5344CB8AC3E}">
+        <p14:creationId xmlns:p14="http://schemas.microsoft.com/office/powerpoint/2010/main" val="95992585"/>
+      </p:ext>
+    </p:extLst>
+  </p:cSld>
+  <p:clrMapOvr>
+    <a:masterClrMapping/>
+  </p:clrMapOvr>
+</p:sld>
+</file>
+
+<file path=ppt/slides/slide9.xml><?xml version="1.0" encoding="utf-8"?>
+<p:sld xmlns:a="http://schemas.openxmlformats.org/drawingml/2006/main" xmlns:r="http://schemas.openxmlformats.org/officeDocument/2006/relationships" xmlns:p="http://schemas.openxmlformats.org/presentationml/2006/main">
+  <p:cSld>
+    <p:spTree>
+      <p:nvGrpSpPr>
+        <p:cNvPr id="1" name=""/>
+        <p:cNvGrpSpPr/>
+        <p:nvPr/>
+      </p:nvGrpSpPr>
+      <p:grpSpPr>
+        <a:xfrm>
+          <a:off x="0" y="0"/>
+          <a:ext cx="0" cy="0"/>
+          <a:chOff x="0" y="0"/>
+          <a:chExt cx="0" cy="0"/>
+        </a:xfrm>
+      </p:grpSpPr>
+      <p:pic>
+        <p:nvPicPr>
+          <p:cNvPr id="9" name="slide9" descr="User Classication">
+            <a:extLst>
+              <a:ext uri="{FF2B5EF4-FFF2-40B4-BE49-F238E27FC236}">
+                <a16:creationId xmlns:a16="http://schemas.microsoft.com/office/drawing/2014/main" id="{04D6B3F5-4596-45B8-A4FF-D7DF358FB4A2}"/>
+              </a:ext>
+            </a:extLst>
+          </p:cNvPr>
+          <p:cNvPicPr>
+            <a:picLocks noChangeAspect="1"/>
+          </p:cNvPicPr>
+          <p:nvPr/>
+        </p:nvPicPr>
+        <p:blipFill>
+          <a:blip r:embed="rId2">
+            <a:extLst>
+              <a:ext uri="{28A0092B-C50C-407E-A947-70E740481C1C}">
+                <a14:useLocalDpi xmlns:a14="http://schemas.microsoft.com/office/drawing/2010/main" val="0"/>
+              </a:ext>
+            </a:extLst>
+          </a:blip>
+          <a:stretch>
+            <a:fillRect/>
+          </a:stretch>
+        </p:blipFill>
+        <p:spPr>
+          <a:xfrm>
+            <a:off x="1519237" y="42862"/>
+            <a:ext cx="9153525" cy="6772275"/>
           </a:xfrm>
           <a:prstGeom prst="rect">
             <a:avLst/>
